--- a/ProjectPlan_Spring.pptx
+++ b/ProjectPlan_Spring.pptx
@@ -112,6 +112,11 @@
       </a:defRPr>
     </a:lvl9pPr>
   </p:defaultTextStyle>
+  <p:extLst>
+    <p:ext uri="{EFAFB233-063F-42B5-8137-9DF3F51BA10A}">
+      <p15:sldGuideLst xmlns:p15="http://schemas.microsoft.com/office/powerpoint/2012/main"/>
+    </p:ext>
+  </p:extLst>
 </p:presentation>
 </file>
 
@@ -4721,6 +4726,17 @@
 <file path=ppt/slides/slide3.xml><?xml version="1.0" encoding="utf-8"?>
 <p:sld xmlns:a="http://schemas.openxmlformats.org/drawingml/2006/main" xmlns:r="http://schemas.openxmlformats.org/officeDocument/2006/relationships" xmlns:p="http://schemas.openxmlformats.org/presentationml/2006/main">
   <p:cSld>
+    <p:bg>
+      <p:bgPr>
+        <a:solidFill>
+          <a:schemeClr val="bg1">
+            <a:tint val="95000"/>
+            <a:satMod val="170000"/>
+          </a:schemeClr>
+        </a:solidFill>
+        <a:effectLst/>
+      </p:bgPr>
+    </p:bg>
     <p:spTree>
       <p:nvGrpSpPr>
         <p:cNvPr id="1" name=""/>
@@ -4735,6 +4751,95 @@
           <a:chExt cx="0" cy="0"/>
         </a:xfrm>
       </p:grpSpPr>
+      <p:sp useBgFill="1">
+        <p:nvSpPr>
+          <p:cNvPr id="9" name="Rectangle 8">
+            <a:extLst>
+              <a:ext uri="{FF2B5EF4-FFF2-40B4-BE49-F238E27FC236}">
+                <a16:creationId xmlns:a16="http://schemas.microsoft.com/office/drawing/2014/main" id="{B0792D4F-247E-46FE-85FC-881DEFA41D94}"/>
+              </a:ext>
+              <a:ext uri="{C183D7F6-B498-43B3-948B-1728B52AA6E4}">
+                <adec:decorative xmlns:adec="http://schemas.microsoft.com/office/drawing/2017/decorative" val="1"/>
+              </a:ext>
+            </a:extLst>
+          </p:cNvPr>
+          <p:cNvSpPr>
+            <a:spLocks noGrp="1" noRot="1" noChangeAspect="1" noMove="1" noResize="1" noEditPoints="1" noAdjustHandles="1" noChangeArrowheads="1" noChangeShapeType="1" noTextEdit="1"/>
+          </p:cNvSpPr>
+          <p:nvPr>
+            <p:extLst>
+              <p:ext uri="{386F3935-93C4-4BCD-93E2-E3B085C9AB24}">
+                <p16:designElem xmlns:p16="http://schemas.microsoft.com/office/powerpoint/2015/main" val="1"/>
+              </p:ext>
+            </p:extLst>
+          </p:nvPr>
+        </p:nvSpPr>
+        <p:spPr>
+          <a:xfrm>
+            <a:off x="0" y="-1"/>
+            <a:ext cx="12188952" cy="6858000"/>
+          </a:xfrm>
+          <a:prstGeom prst="rect">
+            <a:avLst/>
+          </a:prstGeom>
+          <a:ln>
+            <a:noFill/>
+          </a:ln>
+        </p:spPr>
+        <p:style>
+          <a:lnRef idx="2">
+            <a:schemeClr val="accent1">
+              <a:shade val="50000"/>
+            </a:schemeClr>
+          </a:lnRef>
+          <a:fillRef idx="1">
+            <a:schemeClr val="accent1"/>
+          </a:fillRef>
+          <a:effectRef idx="0">
+            <a:schemeClr val="accent1"/>
+          </a:effectRef>
+          <a:fontRef idx="minor">
+            <a:schemeClr val="lt1"/>
+          </a:fontRef>
+        </p:style>
+        <p:txBody>
+          <a:bodyPr rtlCol="0" anchor="ctr"/>
+          <a:lstStyle/>
+          <a:p>
+            <a:pPr marL="0" marR="0" lvl="0" indent="0" algn="ctr" defTabSz="914400" rtl="0" eaLnBrk="1" fontAlgn="auto" latinLnBrk="0" hangingPunct="1">
+              <a:lnSpc>
+                <a:spcPct val="100000"/>
+              </a:lnSpc>
+              <a:spcBef>
+                <a:spcPts val="0"/>
+              </a:spcBef>
+              <a:spcAft>
+                <a:spcPts val="0"/>
+              </a:spcAft>
+              <a:buClrTx/>
+              <a:buSzTx/>
+              <a:buFontTx/>
+              <a:buNone/>
+              <a:tabLst/>
+              <a:defRPr/>
+            </a:pPr>
+            <a:endParaRPr kumimoji="0" lang="en-US" sz="1800" b="0" i="0" u="none" strike="noStrike" kern="1200" cap="none" spc="0" normalizeH="0" baseline="0" noProof="0">
+              <a:ln>
+                <a:noFill/>
+              </a:ln>
+              <a:solidFill>
+                <a:prstClr val="white"/>
+              </a:solidFill>
+              <a:effectLst/>
+              <a:uLnTx/>
+              <a:uFillTx/>
+              <a:latin typeface="Tw Cen MT" panose="020B0602020104020603"/>
+              <a:ea typeface="+mn-ea"/>
+              <a:cs typeface="+mn-cs"/>
+            </a:endParaRPr>
+          </a:p>
+        </p:txBody>
+      </p:sp>
       <p:sp>
         <p:nvSpPr>
           <p:cNvPr id="2" name="Title 1">
@@ -4751,9 +4856,16 @@
             <p:ph type="title"/>
           </p:nvPr>
         </p:nvSpPr>
-        <p:spPr/>
-        <p:txBody>
-          <a:bodyPr/>
+        <p:spPr>
+          <a:xfrm>
+            <a:off x="841248" y="475488"/>
+            <a:ext cx="10515600" cy="1197864"/>
+          </a:xfrm>
+        </p:spPr>
+        <p:txBody>
+          <a:bodyPr>
+            <a:normAutofit/>
+          </a:bodyPr>
           <a:lstStyle/>
           <a:p>
             <a:r>
@@ -4763,90 +4875,60 @@
           </a:p>
         </p:txBody>
       </p:sp>
-      <p:sp>
-        <p:nvSpPr>
-          <p:cNvPr id="3" name="Content Placeholder 2">
-            <a:extLst>
-              <a:ext uri="{FF2B5EF4-FFF2-40B4-BE49-F238E27FC236}">
-                <a16:creationId xmlns:a16="http://schemas.microsoft.com/office/drawing/2014/main" id="{EDB1D594-3BDC-4DC5-ADC5-C494303EA5F0}"/>
-              </a:ext>
-            </a:extLst>
-          </p:cNvPr>
-          <p:cNvSpPr>
-            <a:spLocks noGrp="1"/>
-          </p:cNvSpPr>
-          <p:nvPr>
-            <p:ph idx="1"/>
-          </p:nvPr>
-        </p:nvSpPr>
+      <p:cxnSp>
+        <p:nvCxnSpPr>
+          <p:cNvPr id="11" name="Straight Connector 10">
+            <a:extLst>
+              <a:ext uri="{FF2B5EF4-FFF2-40B4-BE49-F238E27FC236}">
+                <a16:creationId xmlns:a16="http://schemas.microsoft.com/office/drawing/2014/main" id="{CE272F12-AF86-441A-BC1B-C014BBBF85B5}"/>
+              </a:ext>
+              <a:ext uri="{C183D7F6-B498-43B3-948B-1728B52AA6E4}">
+                <adec:decorative xmlns:adec="http://schemas.microsoft.com/office/drawing/2017/decorative" val="1"/>
+              </a:ext>
+            </a:extLst>
+          </p:cNvPr>
+          <p:cNvCxnSpPr>
+            <a:cxnSpLocks noGrp="1" noRot="1" noChangeAspect="1" noMove="1" noResize="1" noEditPoints="1" noAdjustHandles="1" noChangeArrowheads="1" noChangeShapeType="1"/>
+          </p:cNvCxnSpPr>
+          <p:nvPr>
+            <p:extLst>
+              <p:ext uri="{386F3935-93C4-4BCD-93E2-E3B085C9AB24}">
+                <p16:designElem xmlns:p16="http://schemas.microsoft.com/office/powerpoint/2015/main" val="1"/>
+              </p:ext>
+            </p:extLst>
+          </p:nvPr>
+        </p:nvCxnSpPr>
         <p:spPr>
-          <a:xfrm>
-            <a:off x="7142747" y="1456657"/>
-            <a:ext cx="4920916" cy="4351338"/>
+          <a:xfrm flipV="1">
+            <a:off x="475488" y="585216"/>
+            <a:ext cx="0" cy="914400"/>
           </a:xfrm>
+          <a:prstGeom prst="line">
+            <a:avLst/>
+          </a:prstGeom>
+          <a:ln w="19050">
+            <a:solidFill>
+              <a:schemeClr val="tx1">
+                <a:alpha val="70000"/>
+              </a:schemeClr>
+            </a:solidFill>
+          </a:ln>
         </p:spPr>
-        <p:txBody>
-          <a:bodyPr/>
-          <a:lstStyle/>
-          <a:p>
-            <a:r>
-              <a:rPr lang="en-US" dirty="0"/>
-              <a:t>Precise Autonomous Delivery</a:t>
-            </a:r>
-          </a:p>
-          <a:p>
-            <a:pPr lvl="1"/>
-            <a:r>
-              <a:rPr lang="en-US" dirty="0"/>
-              <a:t>Delivers a payload to GPS coordinate</a:t>
-            </a:r>
-          </a:p>
-          <a:p>
-            <a:pPr lvl="1"/>
-            <a:r>
-              <a:rPr lang="en-US" dirty="0"/>
-              <a:t>Situations where an automobile or manned aircraft is insufficient</a:t>
-            </a:r>
-          </a:p>
-          <a:p>
-            <a:pPr lvl="1"/>
-            <a:endParaRPr lang="en-US" dirty="0"/>
-          </a:p>
-          <a:p>
-            <a:r>
-              <a:rPr lang="en-US" dirty="0"/>
-              <a:t>Safety Compliant System</a:t>
-            </a:r>
-          </a:p>
-          <a:p>
-            <a:pPr lvl="1"/>
-            <a:r>
-              <a:rPr lang="en-US" dirty="0"/>
-              <a:t>FAA Restrictions</a:t>
-            </a:r>
-          </a:p>
-          <a:p>
-            <a:pPr lvl="1"/>
-            <a:r>
-              <a:rPr lang="en-US" dirty="0"/>
-              <a:t>Manual takeover option</a:t>
-            </a:r>
-          </a:p>
-          <a:p>
-            <a:pPr lvl="1"/>
-            <a:r>
-              <a:rPr lang="en-US" dirty="0"/>
-              <a:t>Contingency Landing Plan</a:t>
-            </a:r>
-          </a:p>
-          <a:p>
-            <a:pPr marL="0" indent="0">
-              <a:buNone/>
-            </a:pPr>
-            <a:endParaRPr lang="en-US" dirty="0"/>
-          </a:p>
-        </p:txBody>
-      </p:sp>
+        <p:style>
+          <a:lnRef idx="1">
+            <a:schemeClr val="accent1"/>
+          </a:lnRef>
+          <a:fillRef idx="0">
+            <a:schemeClr val="accent1"/>
+          </a:fillRef>
+          <a:effectRef idx="0">
+            <a:schemeClr val="accent1"/>
+          </a:effectRef>
+          <a:fontRef idx="minor">
+            <a:schemeClr val="tx1"/>
+          </a:fontRef>
+        </p:style>
+      </p:cxnSp>
       <p:pic>
         <p:nvPicPr>
           <p:cNvPr id="4" name="Picture 3">
@@ -4869,14 +4951,100 @@
         </p:blipFill>
         <p:spPr>
           <a:xfrm>
-            <a:off x="410190" y="2057539"/>
-            <a:ext cx="6532032" cy="2742921"/>
+            <a:off x="832104" y="2781604"/>
+            <a:ext cx="6217920" cy="2611527"/>
           </a:xfrm>
           <a:prstGeom prst="rect">
             <a:avLst/>
           </a:prstGeom>
         </p:spPr>
       </p:pic>
+      <p:sp>
+        <p:nvSpPr>
+          <p:cNvPr id="3" name="Content Placeholder 2">
+            <a:extLst>
+              <a:ext uri="{FF2B5EF4-FFF2-40B4-BE49-F238E27FC236}">
+                <a16:creationId xmlns:a16="http://schemas.microsoft.com/office/drawing/2014/main" id="{EDB1D594-3BDC-4DC5-ADC5-C494303EA5F0}"/>
+              </a:ext>
+            </a:extLst>
+          </p:cNvPr>
+          <p:cNvSpPr>
+            <a:spLocks noGrp="1"/>
+          </p:cNvSpPr>
+          <p:nvPr>
+            <p:ph idx="1"/>
+          </p:nvPr>
+        </p:nvSpPr>
+        <p:spPr>
+          <a:xfrm>
+            <a:off x="7534656" y="2002536"/>
+            <a:ext cx="3822192" cy="4169664"/>
+          </a:xfrm>
+        </p:spPr>
+        <p:txBody>
+          <a:bodyPr anchor="t">
+            <a:normAutofit/>
+          </a:bodyPr>
+          <a:lstStyle/>
+          <a:p>
+            <a:r>
+              <a:rPr lang="en-US" sz="2200"/>
+              <a:t>Precise Autonomous Delivery</a:t>
+            </a:r>
+          </a:p>
+          <a:p>
+            <a:pPr lvl="1"/>
+            <a:r>
+              <a:rPr lang="en-US" sz="2200"/>
+              <a:t>Delivers a payload to GPS coordinate</a:t>
+            </a:r>
+          </a:p>
+          <a:p>
+            <a:pPr lvl="1"/>
+            <a:r>
+              <a:rPr lang="en-US" sz="2200"/>
+              <a:t>Situations where an automobile or manned aircraft is insufficient</a:t>
+            </a:r>
+          </a:p>
+          <a:p>
+            <a:pPr lvl="1"/>
+            <a:endParaRPr lang="en-US" sz="2200"/>
+          </a:p>
+          <a:p>
+            <a:r>
+              <a:rPr lang="en-US" sz="2200"/>
+              <a:t>Safety Compliant System</a:t>
+            </a:r>
+          </a:p>
+          <a:p>
+            <a:pPr lvl="1"/>
+            <a:r>
+              <a:rPr lang="en-US" sz="2200"/>
+              <a:t>FAA Restrictions</a:t>
+            </a:r>
+          </a:p>
+          <a:p>
+            <a:pPr lvl="1"/>
+            <a:r>
+              <a:rPr lang="en-US" sz="2200"/>
+              <a:t>Manual takeover option</a:t>
+            </a:r>
+          </a:p>
+          <a:p>
+            <a:pPr lvl="1"/>
+            <a:r>
+              <a:rPr lang="en-US" sz="2200"/>
+              <a:t>Contingency Landing Plan</a:t>
+            </a:r>
+          </a:p>
+          <a:p>
+            <a:pPr marL="0" indent="0">
+              <a:buNone/>
+            </a:pPr>
+            <a:endParaRPr lang="en-US" sz="2200"/>
+          </a:p>
+        </p:txBody>
+      </p:sp>
     </p:spTree>
     <p:extLst>
       <p:ext uri="{BB962C8B-B14F-4D97-AF65-F5344CB8AC3E}">
@@ -4885,7 +5053,7 @@
     </p:extLst>
   </p:cSld>
   <p:clrMapOvr>
-    <a:masterClrMapping/>
+    <a:overrideClrMapping bg1="dk1" tx1="lt1" bg2="dk2" tx2="lt2" accent1="accent1" accent2="accent2" accent3="accent3" accent4="accent4" accent5="accent5" accent6="accent6" hlink="hlink" folHlink="folHlink"/>
   </p:clrMapOvr>
 </p:sld>
 </file>
